--- a/fig1.pptx
+++ b/fig1.pptx
@@ -289,7 +289,7 @@
             <a:fld id="{1D8BD707-D9CF-40AE-B4C6-C98DA3205C09}" type="datetimeFigureOut">
               <a:rPr lang="en-US" smtClean="0"/>
               <a:pPr/>
-              <a:t>7/5/2012</a:t>
+              <a:t>7/6/2012</a:t>
             </a:fld>
             <a:endParaRPr lang="en-US"/>
           </a:p>
@@ -456,7 +456,7 @@
             <a:fld id="{1D8BD707-D9CF-40AE-B4C6-C98DA3205C09}" type="datetimeFigureOut">
               <a:rPr lang="en-US" smtClean="0"/>
               <a:pPr/>
-              <a:t>7/5/2012</a:t>
+              <a:t>7/6/2012</a:t>
             </a:fld>
             <a:endParaRPr lang="en-US"/>
           </a:p>
@@ -633,7 +633,7 @@
             <a:fld id="{1D8BD707-D9CF-40AE-B4C6-C98DA3205C09}" type="datetimeFigureOut">
               <a:rPr lang="en-US" smtClean="0"/>
               <a:pPr/>
-              <a:t>7/5/2012</a:t>
+              <a:t>7/6/2012</a:t>
             </a:fld>
             <a:endParaRPr lang="en-US"/>
           </a:p>
@@ -800,7 +800,7 @@
             <a:fld id="{1D8BD707-D9CF-40AE-B4C6-C98DA3205C09}" type="datetimeFigureOut">
               <a:rPr lang="en-US" smtClean="0"/>
               <a:pPr/>
-              <a:t>7/5/2012</a:t>
+              <a:t>7/6/2012</a:t>
             </a:fld>
             <a:endParaRPr lang="en-US"/>
           </a:p>
@@ -1043,7 +1043,7 @@
             <a:fld id="{1D8BD707-D9CF-40AE-B4C6-C98DA3205C09}" type="datetimeFigureOut">
               <a:rPr lang="en-US" smtClean="0"/>
               <a:pPr/>
-              <a:t>7/5/2012</a:t>
+              <a:t>7/6/2012</a:t>
             </a:fld>
             <a:endParaRPr lang="en-US"/>
           </a:p>
@@ -1328,7 +1328,7 @@
             <a:fld id="{1D8BD707-D9CF-40AE-B4C6-C98DA3205C09}" type="datetimeFigureOut">
               <a:rPr lang="en-US" smtClean="0"/>
               <a:pPr/>
-              <a:t>7/5/2012</a:t>
+              <a:t>7/6/2012</a:t>
             </a:fld>
             <a:endParaRPr lang="en-US"/>
           </a:p>
@@ -1747,7 +1747,7 @@
             <a:fld id="{1D8BD707-D9CF-40AE-B4C6-C98DA3205C09}" type="datetimeFigureOut">
               <a:rPr lang="en-US" smtClean="0"/>
               <a:pPr/>
-              <a:t>7/5/2012</a:t>
+              <a:t>7/6/2012</a:t>
             </a:fld>
             <a:endParaRPr lang="en-US"/>
           </a:p>
@@ -1862,7 +1862,7 @@
             <a:fld id="{1D8BD707-D9CF-40AE-B4C6-C98DA3205C09}" type="datetimeFigureOut">
               <a:rPr lang="en-US" smtClean="0"/>
               <a:pPr/>
-              <a:t>7/5/2012</a:t>
+              <a:t>7/6/2012</a:t>
             </a:fld>
             <a:endParaRPr lang="en-US"/>
           </a:p>
@@ -1954,7 +1954,7 @@
             <a:fld id="{1D8BD707-D9CF-40AE-B4C6-C98DA3205C09}" type="datetimeFigureOut">
               <a:rPr lang="en-US" smtClean="0"/>
               <a:pPr/>
-              <a:t>7/5/2012</a:t>
+              <a:t>7/6/2012</a:t>
             </a:fld>
             <a:endParaRPr lang="en-US"/>
           </a:p>
@@ -2228,7 +2228,7 @@
             <a:fld id="{1D8BD707-D9CF-40AE-B4C6-C98DA3205C09}" type="datetimeFigureOut">
               <a:rPr lang="en-US" smtClean="0"/>
               <a:pPr/>
-              <a:t>7/5/2012</a:t>
+              <a:t>7/6/2012</a:t>
             </a:fld>
             <a:endParaRPr lang="en-US"/>
           </a:p>
@@ -2478,7 +2478,7 @@
             <a:fld id="{1D8BD707-D9CF-40AE-B4C6-C98DA3205C09}" type="datetimeFigureOut">
               <a:rPr lang="en-US" smtClean="0"/>
               <a:pPr/>
-              <a:t>7/5/2012</a:t>
+              <a:t>7/6/2012</a:t>
             </a:fld>
             <a:endParaRPr lang="en-US"/>
           </a:p>
@@ -2688,7 +2688,7 @@
             <a:fld id="{1D8BD707-D9CF-40AE-B4C6-C98DA3205C09}" type="datetimeFigureOut">
               <a:rPr lang="en-US" smtClean="0"/>
               <a:pPr/>
-              <a:t>7/5/2012</a:t>
+              <a:t>7/6/2012</a:t>
             </a:fld>
             <a:endParaRPr lang="en-US"/>
           </a:p>
@@ -3067,13 +3067,13 @@
         </p:nvSpPr>
         <p:spPr>
           <a:xfrm>
-            <a:off x="304800" y="2743200"/>
+            <a:off x="685800" y="2971800"/>
             <a:ext cx="228600" cy="228600"/>
           </a:xfrm>
           <a:prstGeom prst="ellipse">
             <a:avLst/>
           </a:prstGeom>
-          <a:ln w="19050"/>
+          <a:ln w="9525"/>
         </p:spPr>
         <p:style>
           <a:lnRef idx="2">
@@ -3095,10 +3095,10 @@
           <a:p>
             <a:pPr algn="ctr"/>
             <a:r>
-              <a:rPr lang="en-US" sz="1600" dirty="0" smtClean="0"/>
+              <a:rPr lang="en-US" sz="1200" dirty="0" smtClean="0"/>
               <a:t>a</a:t>
             </a:r>
-            <a:endParaRPr lang="en-US" sz="1600" dirty="0"/>
+            <a:endParaRPr lang="en-US" sz="1200" dirty="0"/>
           </a:p>
         </p:txBody>
       </p:sp>
@@ -3106,19 +3106,20 @@
         <p:nvCxnSpPr>
           <p:cNvPr id="7" name="Straight Connector 6"/>
           <p:cNvCxnSpPr>
+            <a:stCxn id="24" idx="2"/>
             <a:endCxn id="4" idx="6"/>
           </p:cNvCxnSpPr>
           <p:nvPr/>
         </p:nvCxnSpPr>
         <p:spPr>
           <a:xfrm flipH="1">
-            <a:off x="533400" y="2857500"/>
-            <a:ext cx="304800" cy="0"/>
+            <a:off x="914400" y="3086100"/>
+            <a:ext cx="417944" cy="0"/>
           </a:xfrm>
           <a:prstGeom prst="line">
             <a:avLst/>
           </a:prstGeom>
-          <a:ln w="19050">
+          <a:ln w="9525">
             <a:solidFill>
               <a:schemeClr val="tx1"/>
             </a:solidFill>
@@ -3147,13 +3148,16 @@
         </p:nvSpPr>
         <p:spPr>
           <a:xfrm>
-            <a:off x="267856" y="2408380"/>
-            <a:ext cx="228600" cy="338554"/>
+            <a:off x="667906" y="2636980"/>
+            <a:ext cx="228600" cy="276999"/>
           </a:xfrm>
           <a:prstGeom prst="rect">
             <a:avLst/>
           </a:prstGeom>
           <a:noFill/>
+          <a:ln w="9525">
+            <a:noFill/>
+          </a:ln>
         </p:spPr>
         <p:txBody>
           <a:bodyPr wrap="square" rtlCol="0">
@@ -3162,18 +3166,13 @@
           <a:lstStyle/>
           <a:p>
             <a:r>
-              <a:rPr lang="en-US" sz="1600" dirty="0">
+              <a:rPr lang="en-US" sz="1200" dirty="0">
                 <a:solidFill>
                   <a:schemeClr val="dk1"/>
                 </a:solidFill>
               </a:rPr>
               <a:t>2</a:t>
             </a:r>
-            <a:endParaRPr lang="en-US" sz="1600" dirty="0">
-              <a:solidFill>
-                <a:schemeClr val="dk1"/>
-              </a:solidFill>
-            </a:endParaRPr>
           </a:p>
         </p:txBody>
       </p:sp>
@@ -3185,13 +3184,13 @@
         </p:nvSpPr>
         <p:spPr>
           <a:xfrm>
-            <a:off x="798944" y="2743200"/>
+            <a:off x="1332344" y="2971800"/>
             <a:ext cx="228600" cy="228600"/>
           </a:xfrm>
           <a:prstGeom prst="ellipse">
             <a:avLst/>
           </a:prstGeom>
-          <a:ln w="19050"/>
+          <a:ln w="9525"/>
         </p:spPr>
         <p:style>
           <a:lnRef idx="2">
@@ -3213,7 +3212,7 @@
           <a:p>
             <a:pPr algn="ctr"/>
             <a:r>
-              <a:rPr lang="en-US" sz="1600" dirty="0"/>
+              <a:rPr lang="en-US" sz="1200" dirty="0"/>
               <a:t>b</a:t>
             </a:r>
           </a:p>
@@ -3223,19 +3222,20 @@
         <p:nvCxnSpPr>
           <p:cNvPr id="25" name="Straight Connector 24"/>
           <p:cNvCxnSpPr>
+            <a:stCxn id="27" idx="2"/>
             <a:endCxn id="24" idx="6"/>
           </p:cNvCxnSpPr>
           <p:nvPr/>
         </p:nvCxnSpPr>
         <p:spPr>
           <a:xfrm flipH="1">
-            <a:off x="1027544" y="2857500"/>
-            <a:ext cx="304800" cy="0"/>
+            <a:off x="1560944" y="3086100"/>
+            <a:ext cx="457200" cy="0"/>
           </a:xfrm>
           <a:prstGeom prst="line">
             <a:avLst/>
           </a:prstGeom>
-          <a:ln w="19050">
+          <a:ln w="9525">
             <a:solidFill>
               <a:schemeClr val="tx1"/>
             </a:solidFill>
@@ -3264,13 +3264,16 @@
         </p:nvSpPr>
         <p:spPr>
           <a:xfrm>
-            <a:off x="762000" y="2408380"/>
-            <a:ext cx="228600" cy="338554"/>
+            <a:off x="1314450" y="2636980"/>
+            <a:ext cx="228600" cy="276999"/>
           </a:xfrm>
           <a:prstGeom prst="rect">
             <a:avLst/>
           </a:prstGeom>
           <a:noFill/>
+          <a:ln w="9525">
+            <a:noFill/>
+          </a:ln>
         </p:spPr>
         <p:txBody>
           <a:bodyPr wrap="square" rtlCol="0">
@@ -3279,18 +3282,13 @@
           <a:lstStyle/>
           <a:p>
             <a:r>
-              <a:rPr lang="en-US" sz="1600" dirty="0">
+              <a:rPr lang="en-US" sz="1200" dirty="0">
                 <a:solidFill>
                   <a:schemeClr val="dk1"/>
                 </a:solidFill>
               </a:rPr>
               <a:t>1</a:t>
             </a:r>
-            <a:endParaRPr lang="en-US" sz="1600" dirty="0">
-              <a:solidFill>
-                <a:schemeClr val="dk1"/>
-              </a:solidFill>
-            </a:endParaRPr>
           </a:p>
         </p:txBody>
       </p:sp>
@@ -3302,13 +3300,13 @@
         </p:nvSpPr>
         <p:spPr>
           <a:xfrm>
-            <a:off x="1332344" y="2743200"/>
+            <a:off x="2018144" y="2971800"/>
             <a:ext cx="228600" cy="228600"/>
           </a:xfrm>
           <a:prstGeom prst="ellipse">
             <a:avLst/>
           </a:prstGeom>
-          <a:ln w="19050"/>
+          <a:ln w="9525"/>
         </p:spPr>
         <p:style>
           <a:lnRef idx="2">
@@ -3330,7 +3328,7 @@
           <a:p>
             <a:pPr algn="ctr"/>
             <a:r>
-              <a:rPr lang="en-US" sz="1600" dirty="0"/>
+              <a:rPr lang="en-US" sz="1200" dirty="0"/>
               <a:t>c</a:t>
             </a:r>
           </a:p>
@@ -3340,19 +3338,20 @@
         <p:nvCxnSpPr>
           <p:cNvPr id="28" name="Straight Connector 27"/>
           <p:cNvCxnSpPr>
+            <a:stCxn id="30" idx="2"/>
             <a:endCxn id="27" idx="6"/>
           </p:cNvCxnSpPr>
           <p:nvPr/>
         </p:nvCxnSpPr>
         <p:spPr>
           <a:xfrm flipH="1">
-            <a:off x="1560944" y="2857500"/>
-            <a:ext cx="304800" cy="0"/>
+            <a:off x="2246744" y="3086100"/>
+            <a:ext cx="457200" cy="0"/>
           </a:xfrm>
           <a:prstGeom prst="line">
             <a:avLst/>
           </a:prstGeom>
-          <a:ln w="19050">
+          <a:ln w="9525">
             <a:solidFill>
               <a:schemeClr val="tx1"/>
             </a:solidFill>
@@ -3381,13 +3380,16 @@
         </p:nvSpPr>
         <p:spPr>
           <a:xfrm>
-            <a:off x="1295400" y="2408380"/>
-            <a:ext cx="228600" cy="338554"/>
+            <a:off x="2000250" y="2636980"/>
+            <a:ext cx="228600" cy="276999"/>
           </a:xfrm>
           <a:prstGeom prst="rect">
             <a:avLst/>
           </a:prstGeom>
           <a:noFill/>
+          <a:ln w="9525">
+            <a:noFill/>
+          </a:ln>
         </p:spPr>
         <p:txBody>
           <a:bodyPr wrap="square" rtlCol="0">
@@ -3396,18 +3398,13 @@
           <a:lstStyle/>
           <a:p>
             <a:r>
-              <a:rPr lang="en-US" sz="1600" dirty="0">
+              <a:rPr lang="en-US" sz="1200" dirty="0">
                 <a:solidFill>
                   <a:schemeClr val="dk1"/>
                 </a:solidFill>
               </a:rPr>
               <a:t>2</a:t>
             </a:r>
-            <a:endParaRPr lang="en-US" sz="1600" dirty="0">
-              <a:solidFill>
-                <a:schemeClr val="dk1"/>
-              </a:solidFill>
-            </a:endParaRPr>
           </a:p>
         </p:txBody>
       </p:sp>
@@ -3419,13 +3416,13 @@
         </p:nvSpPr>
         <p:spPr>
           <a:xfrm>
-            <a:off x="1826488" y="2743200"/>
+            <a:off x="2703944" y="2971800"/>
             <a:ext cx="228600" cy="228600"/>
           </a:xfrm>
           <a:prstGeom prst="ellipse">
             <a:avLst/>
           </a:prstGeom>
-          <a:ln w="19050"/>
+          <a:ln w="9525"/>
         </p:spPr>
         <p:style>
           <a:lnRef idx="2">
@@ -3447,10 +3444,9 @@
           <a:p>
             <a:pPr algn="ctr"/>
             <a:r>
-              <a:rPr lang="en-US" sz="1600" dirty="0"/>
+              <a:rPr lang="en-US" sz="1200" dirty="0"/>
               <a:t>d</a:t>
             </a:r>
-            <a:endParaRPr lang="en-US" sz="1600" dirty="0"/>
           </a:p>
         </p:txBody>
       </p:sp>
@@ -3458,19 +3454,20 @@
         <p:nvCxnSpPr>
           <p:cNvPr id="31" name="Straight Connector 30"/>
           <p:cNvCxnSpPr>
+            <a:stCxn id="33" idx="2"/>
             <a:endCxn id="30" idx="6"/>
           </p:cNvCxnSpPr>
           <p:nvPr/>
         </p:nvCxnSpPr>
         <p:spPr>
           <a:xfrm flipH="1">
-            <a:off x="2055088" y="2857500"/>
-            <a:ext cx="304800" cy="0"/>
+            <a:off x="2932544" y="3086100"/>
+            <a:ext cx="457200" cy="0"/>
           </a:xfrm>
           <a:prstGeom prst="line">
             <a:avLst/>
           </a:prstGeom>
-          <a:ln w="19050">
+          <a:ln w="9525">
             <a:solidFill>
               <a:schemeClr val="tx1"/>
             </a:solidFill>
@@ -3499,13 +3496,16 @@
         </p:nvSpPr>
         <p:spPr>
           <a:xfrm>
-            <a:off x="1789544" y="2408380"/>
-            <a:ext cx="228600" cy="338554"/>
+            <a:off x="2686050" y="2636980"/>
+            <a:ext cx="228600" cy="276999"/>
           </a:xfrm>
           <a:prstGeom prst="rect">
             <a:avLst/>
           </a:prstGeom>
           <a:noFill/>
+          <a:ln w="9525">
+            <a:noFill/>
+          </a:ln>
         </p:spPr>
         <p:txBody>
           <a:bodyPr wrap="square" rtlCol="0">
@@ -3514,18 +3514,13 @@
           <a:lstStyle/>
           <a:p>
             <a:r>
-              <a:rPr lang="en-US" sz="1600" dirty="0">
+              <a:rPr lang="en-US" sz="1200" dirty="0">
                 <a:solidFill>
                   <a:schemeClr val="dk1"/>
                 </a:solidFill>
               </a:rPr>
               <a:t>3</a:t>
             </a:r>
-            <a:endParaRPr lang="en-US" sz="1600" dirty="0">
-              <a:solidFill>
-                <a:schemeClr val="dk1"/>
-              </a:solidFill>
-            </a:endParaRPr>
           </a:p>
         </p:txBody>
       </p:sp>
@@ -3537,13 +3532,13 @@
         </p:nvSpPr>
         <p:spPr>
           <a:xfrm>
-            <a:off x="2322944" y="2743200"/>
+            <a:off x="3389744" y="2971800"/>
             <a:ext cx="228600" cy="228600"/>
           </a:xfrm>
           <a:prstGeom prst="ellipse">
             <a:avLst/>
           </a:prstGeom>
-          <a:ln w="19050"/>
+          <a:ln w="9525"/>
         </p:spPr>
         <p:style>
           <a:lnRef idx="2">
@@ -3565,10 +3560,9 @@
           <a:p>
             <a:pPr algn="ctr"/>
             <a:r>
-              <a:rPr lang="en-US" sz="1600" dirty="0"/>
+              <a:rPr lang="en-US" sz="1200" dirty="0"/>
               <a:t>e</a:t>
             </a:r>
-            <a:endParaRPr lang="en-US" sz="1600" dirty="0"/>
           </a:p>
         </p:txBody>
       </p:sp>
@@ -3576,19 +3570,20 @@
         <p:nvCxnSpPr>
           <p:cNvPr id="34" name="Straight Connector 33"/>
           <p:cNvCxnSpPr>
+            <a:stCxn id="36" idx="2"/>
             <a:endCxn id="33" idx="6"/>
           </p:cNvCxnSpPr>
           <p:nvPr/>
         </p:nvCxnSpPr>
         <p:spPr>
           <a:xfrm flipH="1">
-            <a:off x="2551544" y="2857500"/>
-            <a:ext cx="304800" cy="0"/>
+            <a:off x="3618344" y="3086100"/>
+            <a:ext cx="496456" cy="0"/>
           </a:xfrm>
           <a:prstGeom prst="line">
             <a:avLst/>
           </a:prstGeom>
-          <a:ln w="19050">
+          <a:ln w="9525">
             <a:solidFill>
               <a:schemeClr val="tx1"/>
             </a:solidFill>
@@ -3617,13 +3612,16 @@
         </p:nvSpPr>
         <p:spPr>
           <a:xfrm>
-            <a:off x="2286000" y="2408380"/>
-            <a:ext cx="228600" cy="338554"/>
+            <a:off x="3371850" y="2636980"/>
+            <a:ext cx="228600" cy="276999"/>
           </a:xfrm>
           <a:prstGeom prst="rect">
             <a:avLst/>
           </a:prstGeom>
           <a:noFill/>
+          <a:ln w="9525">
+            <a:noFill/>
+          </a:ln>
         </p:spPr>
         <p:txBody>
           <a:bodyPr wrap="square" rtlCol="0">
@@ -3632,18 +3630,13 @@
           <a:lstStyle/>
           <a:p>
             <a:r>
-              <a:rPr lang="en-US" sz="1600" dirty="0">
+              <a:rPr lang="en-US" sz="1200" dirty="0">
                 <a:solidFill>
                   <a:schemeClr val="dk1"/>
                 </a:solidFill>
               </a:rPr>
               <a:t>2</a:t>
             </a:r>
-            <a:endParaRPr lang="en-US" sz="1600" dirty="0">
-              <a:solidFill>
-                <a:schemeClr val="dk1"/>
-              </a:solidFill>
-            </a:endParaRPr>
           </a:p>
         </p:txBody>
       </p:sp>
@@ -3655,13 +3648,13 @@
         </p:nvSpPr>
         <p:spPr>
           <a:xfrm>
-            <a:off x="2817088" y="2743200"/>
+            <a:off x="4114800" y="2971800"/>
             <a:ext cx="228600" cy="228600"/>
           </a:xfrm>
           <a:prstGeom prst="ellipse">
             <a:avLst/>
           </a:prstGeom>
-          <a:ln w="19050"/>
+          <a:ln w="9525"/>
         </p:spPr>
         <p:style>
           <a:lnRef idx="2">
@@ -3683,10 +3676,9 @@
           <a:p>
             <a:pPr algn="ctr"/>
             <a:r>
-              <a:rPr lang="en-US" sz="1600" dirty="0"/>
+              <a:rPr lang="en-US" sz="1200" dirty="0"/>
               <a:t>f</a:t>
             </a:r>
-            <a:endParaRPr lang="en-US" sz="1600" dirty="0"/>
           </a:p>
         </p:txBody>
       </p:sp>
@@ -3698,13 +3690,16 @@
         </p:nvSpPr>
         <p:spPr>
           <a:xfrm>
-            <a:off x="2780144" y="2408380"/>
-            <a:ext cx="228600" cy="338554"/>
+            <a:off x="4087381" y="2636980"/>
+            <a:ext cx="228600" cy="276999"/>
           </a:xfrm>
           <a:prstGeom prst="rect">
             <a:avLst/>
           </a:prstGeom>
           <a:noFill/>
+          <a:ln w="9525">
+            <a:noFill/>
+          </a:ln>
         </p:spPr>
         <p:txBody>
           <a:bodyPr wrap="square" rtlCol="0">
@@ -3713,18 +3708,13 @@
           <a:lstStyle/>
           <a:p>
             <a:r>
-              <a:rPr lang="en-US" sz="1600" dirty="0">
+              <a:rPr lang="en-US" sz="1200" dirty="0">
                 <a:solidFill>
                   <a:schemeClr val="dk1"/>
                 </a:solidFill>
               </a:rPr>
               <a:t>1</a:t>
             </a:r>
-            <a:endParaRPr lang="en-US" sz="1600" dirty="0">
-              <a:solidFill>
-                <a:schemeClr val="dk1"/>
-              </a:solidFill>
-            </a:endParaRPr>
           </a:p>
         </p:txBody>
       </p:sp>
@@ -3736,13 +3726,13 @@
         </p:nvSpPr>
         <p:spPr>
           <a:xfrm>
-            <a:off x="4038600" y="2286000"/>
+            <a:off x="4857750" y="2286000"/>
             <a:ext cx="228600" cy="228600"/>
           </a:xfrm>
           <a:prstGeom prst="ellipse">
             <a:avLst/>
           </a:prstGeom>
-          <a:ln w="19050"/>
+          <a:ln w="9525"/>
         </p:spPr>
         <p:style>
           <a:lnRef idx="2">
@@ -3764,10 +3754,9 @@
           <a:p>
             <a:pPr algn="ctr"/>
             <a:r>
-              <a:rPr lang="en-US" sz="1600" dirty="0"/>
+              <a:rPr lang="en-US" sz="1200" dirty="0"/>
               <a:t>a</a:t>
             </a:r>
-            <a:endParaRPr lang="en-US" sz="1600" dirty="0"/>
           </a:p>
         </p:txBody>
       </p:sp>
@@ -3779,13 +3768,13 @@
         </p:nvSpPr>
         <p:spPr>
           <a:xfrm>
-            <a:off x="4038600" y="3200400"/>
+            <a:off x="4857750" y="3505200"/>
             <a:ext cx="228600" cy="228600"/>
           </a:xfrm>
           <a:prstGeom prst="ellipse">
             <a:avLst/>
           </a:prstGeom>
-          <a:ln w="19050"/>
+          <a:ln w="9525"/>
         </p:spPr>
         <p:style>
           <a:lnRef idx="2">
@@ -3807,10 +3796,9 @@
           <a:p>
             <a:pPr algn="ctr"/>
             <a:r>
-              <a:rPr lang="en-US" sz="1600" dirty="0"/>
+              <a:rPr lang="en-US" sz="1200" dirty="0"/>
               <a:t>b</a:t>
             </a:r>
-            <a:endParaRPr lang="en-US" sz="1600" dirty="0"/>
           </a:p>
         </p:txBody>
       </p:sp>
@@ -3822,13 +3810,13 @@
         </p:nvSpPr>
         <p:spPr>
           <a:xfrm>
-            <a:off x="5029200" y="2286000"/>
+            <a:off x="6457950" y="2286000"/>
             <a:ext cx="228600" cy="228600"/>
           </a:xfrm>
           <a:prstGeom prst="ellipse">
             <a:avLst/>
           </a:prstGeom>
-          <a:ln w="19050"/>
+          <a:ln w="9525"/>
         </p:spPr>
         <p:style>
           <a:lnRef idx="2">
@@ -3850,10 +3838,9 @@
           <a:p>
             <a:pPr algn="ctr"/>
             <a:r>
-              <a:rPr lang="en-US" sz="1600" dirty="0"/>
+              <a:rPr lang="en-US" sz="1200" dirty="0"/>
               <a:t>c</a:t>
             </a:r>
-            <a:endParaRPr lang="en-US" sz="1600" dirty="0"/>
           </a:p>
         </p:txBody>
       </p:sp>
@@ -3865,13 +3852,13 @@
         </p:nvSpPr>
         <p:spPr>
           <a:xfrm>
-            <a:off x="5029200" y="3200400"/>
+            <a:off x="6457950" y="3505200"/>
             <a:ext cx="228600" cy="228600"/>
           </a:xfrm>
           <a:prstGeom prst="ellipse">
             <a:avLst/>
           </a:prstGeom>
-          <a:ln w="19050"/>
+          <a:ln w="9525"/>
         </p:spPr>
         <p:style>
           <a:lnRef idx="2">
@@ -3893,10 +3880,9 @@
           <a:p>
             <a:pPr algn="ctr"/>
             <a:r>
-              <a:rPr lang="en-US" sz="1600" dirty="0"/>
+              <a:rPr lang="en-US" sz="1200" dirty="0"/>
               <a:t>d</a:t>
             </a:r>
-            <a:endParaRPr lang="en-US" sz="1600" dirty="0"/>
           </a:p>
         </p:txBody>
       </p:sp>
@@ -3908,13 +3894,13 @@
         </p:nvSpPr>
         <p:spPr>
           <a:xfrm>
-            <a:off x="6019800" y="2286000"/>
+            <a:off x="8077200" y="2286000"/>
             <a:ext cx="228600" cy="228600"/>
           </a:xfrm>
           <a:prstGeom prst="ellipse">
             <a:avLst/>
           </a:prstGeom>
-          <a:ln w="19050"/>
+          <a:ln w="9525"/>
         </p:spPr>
         <p:style>
           <a:lnRef idx="2">
@@ -3936,10 +3922,9 @@
           <a:p>
             <a:pPr algn="ctr"/>
             <a:r>
-              <a:rPr lang="en-US" sz="1600" dirty="0"/>
+              <a:rPr lang="en-US" sz="1200" dirty="0"/>
               <a:t>e</a:t>
             </a:r>
-            <a:endParaRPr lang="en-US" sz="1600" dirty="0"/>
           </a:p>
         </p:txBody>
       </p:sp>
@@ -3951,13 +3936,13 @@
         </p:nvSpPr>
         <p:spPr>
           <a:xfrm>
-            <a:off x="6019800" y="3200400"/>
+            <a:off x="8077200" y="3505200"/>
             <a:ext cx="228600" cy="228600"/>
           </a:xfrm>
           <a:prstGeom prst="ellipse">
             <a:avLst/>
           </a:prstGeom>
-          <a:ln w="19050"/>
+          <a:ln w="9525"/>
         </p:spPr>
         <p:style>
           <a:lnRef idx="2">
@@ -3979,10 +3964,9 @@
           <a:p>
             <a:pPr algn="ctr"/>
             <a:r>
-              <a:rPr lang="en-US" sz="1600" dirty="0"/>
+              <a:rPr lang="en-US" sz="1200" dirty="0"/>
               <a:t>f</a:t>
             </a:r>
-            <a:endParaRPr lang="en-US" sz="1600" dirty="0"/>
           </a:p>
         </p:txBody>
       </p:sp>
@@ -3997,13 +3981,13 @@
         </p:nvCxnSpPr>
         <p:spPr>
           <a:xfrm>
-            <a:off x="4152900" y="2514600"/>
-            <a:ext cx="0" cy="685800"/>
+            <a:off x="4972050" y="2514600"/>
+            <a:ext cx="0" cy="990600"/>
           </a:xfrm>
           <a:prstGeom prst="line">
             <a:avLst/>
           </a:prstGeom>
-          <a:ln w="19050">
+          <a:ln w="9525">
             <a:solidFill>
               <a:schemeClr val="tx1"/>
             </a:solidFill>
@@ -4028,19 +4012,20 @@
         <p:nvCxnSpPr>
           <p:cNvPr id="47" name="Straight Connector 46"/>
           <p:cNvCxnSpPr>
+            <a:stCxn id="39" idx="6"/>
             <a:endCxn id="41" idx="2"/>
           </p:cNvCxnSpPr>
           <p:nvPr/>
         </p:nvCxnSpPr>
         <p:spPr>
           <a:xfrm>
-            <a:off x="4267200" y="2400300"/>
-            <a:ext cx="762000" cy="0"/>
+            <a:off x="5086350" y="2400300"/>
+            <a:ext cx="1371600" cy="0"/>
           </a:xfrm>
           <a:prstGeom prst="line">
             <a:avLst/>
           </a:prstGeom>
-          <a:ln w="19050">
+          <a:ln w="9525">
             <a:solidFill>
               <a:schemeClr val="tx1"/>
             </a:solidFill>
@@ -4072,13 +4057,13 @@
         </p:nvCxnSpPr>
         <p:spPr>
           <a:xfrm flipH="1">
-            <a:off x="4233722" y="2481122"/>
-            <a:ext cx="828956" cy="752756"/>
+            <a:off x="5052872" y="2481122"/>
+            <a:ext cx="1438556" cy="1057556"/>
           </a:xfrm>
           <a:prstGeom prst="line">
             <a:avLst/>
           </a:prstGeom>
-          <a:ln w="19050">
+          <a:ln w="9525">
             <a:solidFill>
               <a:schemeClr val="tx1"/>
             </a:solidFill>
@@ -4102,18 +4087,21 @@
       <p:cxnSp>
         <p:nvCxnSpPr>
           <p:cNvPr id="52" name="Straight Connector 51"/>
-          <p:cNvCxnSpPr/>
+          <p:cNvCxnSpPr>
+            <a:stCxn id="41" idx="6"/>
+            <a:endCxn id="43" idx="2"/>
+          </p:cNvCxnSpPr>
           <p:nvPr/>
         </p:nvCxnSpPr>
         <p:spPr>
           <a:xfrm>
-            <a:off x="5257800" y="2408380"/>
-            <a:ext cx="762000" cy="0"/>
+            <a:off x="6686550" y="2400300"/>
+            <a:ext cx="1390650" cy="0"/>
           </a:xfrm>
           <a:prstGeom prst="line">
             <a:avLst/>
           </a:prstGeom>
-          <a:ln w="19050">
+          <a:ln w="9525">
             <a:solidFill>
               <a:schemeClr val="tx1"/>
             </a:solidFill>
@@ -4137,18 +4125,21 @@
       <p:cxnSp>
         <p:nvCxnSpPr>
           <p:cNvPr id="53" name="Straight Connector 52"/>
-          <p:cNvCxnSpPr/>
+          <p:cNvCxnSpPr>
+            <a:stCxn id="41" idx="4"/>
+            <a:endCxn id="42" idx="0"/>
+          </p:cNvCxnSpPr>
           <p:nvPr/>
         </p:nvCxnSpPr>
         <p:spPr>
           <a:xfrm>
-            <a:off x="5153891" y="2516785"/>
-            <a:ext cx="0" cy="685800"/>
+            <a:off x="6572250" y="2514600"/>
+            <a:ext cx="0" cy="990600"/>
           </a:xfrm>
           <a:prstGeom prst="line">
             <a:avLst/>
           </a:prstGeom>
-          <a:ln w="19050">
+          <a:ln w="9525">
             <a:solidFill>
               <a:schemeClr val="tx1"/>
             </a:solidFill>
@@ -4172,18 +4163,21 @@
       <p:cxnSp>
         <p:nvCxnSpPr>
           <p:cNvPr id="54" name="Straight Connector 53"/>
-          <p:cNvCxnSpPr/>
+          <p:cNvCxnSpPr>
+            <a:stCxn id="40" idx="6"/>
+            <a:endCxn id="42" idx="2"/>
+          </p:cNvCxnSpPr>
           <p:nvPr/>
         </p:nvCxnSpPr>
         <p:spPr>
           <a:xfrm>
-            <a:off x="4267200" y="3314700"/>
-            <a:ext cx="762000" cy="0"/>
+            <a:off x="5086350" y="3619500"/>
+            <a:ext cx="1371600" cy="0"/>
           </a:xfrm>
           <a:prstGeom prst="line">
             <a:avLst/>
           </a:prstGeom>
-          <a:ln w="19050">
+          <a:ln w="9525">
             <a:solidFill>
               <a:schemeClr val="tx1"/>
             </a:solidFill>
@@ -4207,18 +4201,21 @@
       <p:cxnSp>
         <p:nvCxnSpPr>
           <p:cNvPr id="55" name="Straight Connector 54"/>
-          <p:cNvCxnSpPr/>
+          <p:cNvCxnSpPr>
+            <a:stCxn id="42" idx="6"/>
+            <a:endCxn id="44" idx="2"/>
+          </p:cNvCxnSpPr>
           <p:nvPr/>
         </p:nvCxnSpPr>
         <p:spPr>
           <a:xfrm>
-            <a:off x="5257800" y="3327400"/>
-            <a:ext cx="762000" cy="0"/>
+            <a:off x="6686550" y="3619500"/>
+            <a:ext cx="1390650" cy="0"/>
           </a:xfrm>
           <a:prstGeom prst="line">
             <a:avLst/>
           </a:prstGeom>
-          <a:ln w="19050">
+          <a:ln w="9525">
             <a:solidFill>
               <a:schemeClr val="tx1"/>
             </a:solidFill>
@@ -4250,13 +4247,13 @@
         </p:nvCxnSpPr>
         <p:spPr>
           <a:xfrm flipH="1">
-            <a:off x="5224322" y="2481122"/>
-            <a:ext cx="828956" cy="752756"/>
+            <a:off x="6653072" y="2481122"/>
+            <a:ext cx="1457606" cy="1057556"/>
           </a:xfrm>
           <a:prstGeom prst="line">
             <a:avLst/>
           </a:prstGeom>
-          <a:ln w="19050">
+          <a:ln w="9525">
             <a:solidFill>
               <a:schemeClr val="tx1"/>
             </a:solidFill>
@@ -4288,13 +4285,13 @@
         </p:nvCxnSpPr>
         <p:spPr>
           <a:xfrm>
-            <a:off x="4233722" y="2481122"/>
-            <a:ext cx="828956" cy="752756"/>
+            <a:off x="5052872" y="2481122"/>
+            <a:ext cx="1438556" cy="1057556"/>
           </a:xfrm>
           <a:prstGeom prst="line">
             <a:avLst/>
           </a:prstGeom>
-          <a:ln w="19050">
+          <a:ln w="9525">
             <a:solidFill>
               <a:schemeClr val="tx1"/>
             </a:solidFill>
@@ -4326,13 +4323,13 @@
         </p:nvCxnSpPr>
         <p:spPr>
           <a:xfrm>
-            <a:off x="6134100" y="2514600"/>
-            <a:ext cx="0" cy="685800"/>
+            <a:off x="8191500" y="2514600"/>
+            <a:ext cx="0" cy="990600"/>
           </a:xfrm>
           <a:prstGeom prst="line">
             <a:avLst/>
           </a:prstGeom>
-          <a:ln w="19050">
+          <a:ln w="9525">
             <a:solidFill>
               <a:schemeClr val="tx1"/>
             </a:solidFill>
@@ -4361,8 +4358,8 @@
         </p:nvSpPr>
         <p:spPr>
           <a:xfrm>
-            <a:off x="877456" y="3733800"/>
-            <a:ext cx="1713344" cy="261610"/>
+            <a:off x="1600200" y="3995409"/>
+            <a:ext cx="1940788" cy="276999"/>
           </a:xfrm>
           <a:prstGeom prst="rect">
             <a:avLst/>
@@ -4373,29 +4370,30 @@
           <a:bodyPr wrap="square" rtlCol="0">
             <a:spAutoFit/>
           </a:bodyPr>
-          <a:lstStyle/>
-          <a:p>
-            <a:r>
-              <a:rPr lang="en-US" sz="1100" dirty="0" smtClean="0">
+          <a:lstStyle>
+            <a:defPPr>
+              <a:defRPr lang="en-US"/>
+            </a:defPPr>
+            <a:lvl1pPr>
+              <a:defRPr sz="1200">
                 <a:latin typeface="Cambria" pitchFamily="18" charset="0"/>
-              </a:rPr>
+              </a:defRPr>
+            </a:lvl1pPr>
+          </a:lstStyle>
+          <a:p>
+            <a:r>
+              <a:rPr lang="en-US" dirty="0"/>
               <a:t>(a) </a:t>
             </a:r>
             <a:r>
-              <a:rPr lang="en-US" sz="1100" dirty="0" err="1" smtClean="0">
-                <a:latin typeface="Cambria" pitchFamily="18" charset="0"/>
-              </a:rPr>
+              <a:rPr lang="en-US" dirty="0" err="1"/>
               <a:t>max_k</a:t>
             </a:r>
             <a:r>
-              <a:rPr lang="en-US" sz="1100" dirty="0" smtClean="0">
-                <a:latin typeface="Cambria" pitchFamily="18" charset="0"/>
-              </a:rPr>
+              <a:rPr lang="en-US" dirty="0"/>
               <a:t> configuration</a:t>
             </a:r>
-            <a:endParaRPr lang="en-US" sz="1100" dirty="0">
-              <a:latin typeface="Cambria" pitchFamily="18" charset="0"/>
-            </a:endParaRPr>
+            <a:endParaRPr lang="en-US" dirty="0"/>
           </a:p>
         </p:txBody>
       </p:sp>
@@ -4407,8 +4405,8 @@
         </p:nvSpPr>
         <p:spPr>
           <a:xfrm>
-            <a:off x="4458856" y="3733800"/>
-            <a:ext cx="1408544" cy="261610"/>
+            <a:off x="5796400" y="3995410"/>
+            <a:ext cx="1575950" cy="276999"/>
           </a:xfrm>
           <a:prstGeom prst="rect">
             <a:avLst/>
@@ -4422,12 +4420,12 @@
           <a:lstStyle/>
           <a:p>
             <a:r>
-              <a:rPr lang="en-US" sz="1100" dirty="0" smtClean="0">
+              <a:rPr lang="en-US" sz="1200" dirty="0" smtClean="0">
                 <a:latin typeface="Cambria" pitchFamily="18" charset="0"/>
               </a:rPr>
               <a:t>(b) Constraint graph</a:t>
             </a:r>
-            <a:endParaRPr lang="en-US" sz="1100" dirty="0">
+            <a:endParaRPr lang="en-US" sz="1200" dirty="0">
               <a:latin typeface="Cambria" pitchFamily="18" charset="0"/>
             </a:endParaRPr>
           </a:p>
